--- a/lectures/ShallowNeuralNetworks.pptx
+++ b/lectures/ShallowNeuralNetworks.pptx
@@ -5,7 +5,7 @@
     <p:sldMasterId id="2147483657" r:id="rId1"/>
   </p:sldMasterIdLst>
   <p:notesMasterIdLst>
-    <p:notesMasterId r:id="rId16"/>
+    <p:notesMasterId r:id="rId13"/>
   </p:notesMasterIdLst>
   <p:sldIdLst>
     <p:sldId id="259" r:id="rId2"/>
@@ -19,33 +19,30 @@
     <p:sldId id="284" r:id="rId10"/>
     <p:sldId id="285" r:id="rId11"/>
     <p:sldId id="286" r:id="rId12"/>
-    <p:sldId id="287" r:id="rId13"/>
-    <p:sldId id="288" r:id="rId14"/>
-    <p:sldId id="289" r:id="rId15"/>
   </p:sldIdLst>
   <p:sldSz cx="9144000" cy="5143500" type="screen16x9"/>
   <p:notesSz cx="6858000" cy="9144000"/>
   <p:embeddedFontLst>
     <p:embeddedFont>
-      <p:font typeface="Roboto Condensed" panose="020B0604020202020204" charset="0"/>
-      <p:regular r:id="rId17"/>
-      <p:bold r:id="rId18"/>
-      <p:italic r:id="rId19"/>
-      <p:boldItalic r:id="rId20"/>
+      <p:font typeface="Arvo" panose="020B0604020202020204" charset="0"/>
+      <p:regular r:id="rId14"/>
+      <p:bold r:id="rId15"/>
+      <p:italic r:id="rId16"/>
+      <p:boldItalic r:id="rId17"/>
     </p:embeddedFont>
     <p:embeddedFont>
-      <p:font typeface="Roboto Condensed Light" panose="020B0604020202020204" charset="0"/>
-      <p:regular r:id="rId21"/>
-      <p:bold r:id="rId22"/>
-      <p:italic r:id="rId23"/>
-      <p:boldItalic r:id="rId24"/>
+      <p:font typeface="Roboto Condensed" panose="02000000000000000000" pitchFamily="2" charset="0"/>
+      <p:regular r:id="rId18"/>
+      <p:bold r:id="rId19"/>
+      <p:italic r:id="rId20"/>
+      <p:boldItalic r:id="rId21"/>
     </p:embeddedFont>
     <p:embeddedFont>
-      <p:font typeface="Arvo" panose="020B0604020202020204" charset="0"/>
-      <p:regular r:id="rId25"/>
-      <p:bold r:id="rId26"/>
-      <p:italic r:id="rId27"/>
-      <p:boldItalic r:id="rId28"/>
+      <p:font typeface="Roboto Condensed Light" panose="02000000000000000000" pitchFamily="2" charset="0"/>
+      <p:regular r:id="rId22"/>
+      <p:bold r:id="rId23"/>
+      <p:italic r:id="rId24"/>
+      <p:boldItalic r:id="rId25"/>
     </p:embeddedFont>
   </p:embeddedFontLst>
   <p:defaultTextStyle>
@@ -258,6 +255,41 @@
 </p:presentation>
 </file>
 
+<file path=ppt/changesInfos/changesInfo1.xml><?xml version="1.0" encoding="utf-8"?>
+<pc:chgInfo xmlns:a="http://schemas.openxmlformats.org/drawingml/2006/main" xmlns:r="http://schemas.openxmlformats.org/officeDocument/2006/relationships" xmlns:ac="http://schemas.microsoft.com/office/drawing/2013/main/command" xmlns:pc="http://schemas.microsoft.com/office/powerpoint/2013/main/command">
+  <pc:docChgLst>
+    <pc:chgData name="Jan Schaffranek" userId="185de13651d64d23" providerId="LiveId" clId="{9796EEE9-00BB-421A-9BF3-C7308D9356E1}"/>
+    <pc:docChg chg="delSld">
+      <pc:chgData name="Jan Schaffranek" userId="185de13651d64d23" providerId="LiveId" clId="{9796EEE9-00BB-421A-9BF3-C7308D9356E1}" dt="2023-10-31T14:56:01.763" v="2" actId="47"/>
+      <pc:docMkLst>
+        <pc:docMk/>
+      </pc:docMkLst>
+      <pc:sldChg chg="del">
+        <pc:chgData name="Jan Schaffranek" userId="185de13651d64d23" providerId="LiveId" clId="{9796EEE9-00BB-421A-9BF3-C7308D9356E1}" dt="2023-10-31T14:56:00.919" v="0" actId="47"/>
+        <pc:sldMkLst>
+          <pc:docMk/>
+          <pc:sldMk cId="3955903855" sldId="287"/>
+        </pc:sldMkLst>
+      </pc:sldChg>
+      <pc:sldChg chg="del">
+        <pc:chgData name="Jan Schaffranek" userId="185de13651d64d23" providerId="LiveId" clId="{9796EEE9-00BB-421A-9BF3-C7308D9356E1}" dt="2023-10-31T14:56:01.327" v="1" actId="47"/>
+        <pc:sldMkLst>
+          <pc:docMk/>
+          <pc:sldMk cId="3773733579" sldId="288"/>
+        </pc:sldMkLst>
+      </pc:sldChg>
+      <pc:sldChg chg="del">
+        <pc:chgData name="Jan Schaffranek" userId="185de13651d64d23" providerId="LiveId" clId="{9796EEE9-00BB-421A-9BF3-C7308D9356E1}" dt="2023-10-31T14:56:01.763" v="2" actId="47"/>
+        <pc:sldMkLst>
+          <pc:docMk/>
+          <pc:sldMk cId="1024005788" sldId="289"/>
+        </pc:sldMkLst>
+      </pc:sldChg>
+    </pc:docChg>
+  </pc:docChgLst>
+</pc:chgInfo>
+</file>
+
 <file path=ppt/notesMasters/notesMaster1.xml><?xml version="1.0" encoding="utf-8"?>
 <p:notesMaster xmlns:a="http://schemas.openxmlformats.org/drawingml/2006/main" xmlns:r="http://schemas.openxmlformats.org/officeDocument/2006/relationships" xmlns:p="http://schemas.openxmlformats.org/presentationml/2006/main">
   <p:cSld>
@@ -837,324 +869,6 @@
     <p:extLst>
       <p:ext uri="{BB962C8B-B14F-4D97-AF65-F5344CB8AC3E}">
         <p14:creationId xmlns:p14="http://schemas.microsoft.com/office/powerpoint/2010/main" val="2426772731"/>
-      </p:ext>
-    </p:extLst>
-  </p:cSld>
-  <p:clrMapOvr>
-    <a:masterClrMapping/>
-  </p:clrMapOvr>
-</p:notes>
-</file>
-
-<file path=ppt/notesSlides/notesSlide12.xml><?xml version="1.0" encoding="utf-8"?>
-<p:notes xmlns:a="http://schemas.openxmlformats.org/drawingml/2006/main" xmlns:r="http://schemas.openxmlformats.org/officeDocument/2006/relationships" xmlns:p="http://schemas.openxmlformats.org/presentationml/2006/main" showMasterSp="0" showMasterPhAnim="0">
-  <p:cSld>
-    <p:spTree>
-      <p:nvGrpSpPr>
-        <p:cNvPr id="1" name="Shape 232"/>
-        <p:cNvGrpSpPr/>
-        <p:nvPr/>
-      </p:nvGrpSpPr>
-      <p:grpSpPr>
-        <a:xfrm>
-          <a:off x="0" y="0"/>
-          <a:ext cx="0" cy="0"/>
-          <a:chOff x="0" y="0"/>
-          <a:chExt cx="0" cy="0"/>
-        </a:xfrm>
-      </p:grpSpPr>
-      <p:sp>
-        <p:nvSpPr>
-          <p:cNvPr id="233" name="Shape 233"/>
-          <p:cNvSpPr>
-            <a:spLocks noGrp="1" noRot="1" noChangeAspect="1"/>
-          </p:cNvSpPr>
-          <p:nvPr>
-            <p:ph type="sldImg" idx="2"/>
-          </p:nvPr>
-        </p:nvSpPr>
-        <p:spPr>
-          <a:xfrm>
-            <a:off x="381000" y="685800"/>
-            <a:ext cx="6096000" cy="3429000"/>
-          </a:xfrm>
-          <a:custGeom>
-            <a:avLst/>
-            <a:gdLst/>
-            <a:ahLst/>
-            <a:cxnLst/>
-            <a:rect l="0" t="0" r="0" b="0"/>
-            <a:pathLst>
-              <a:path w="120000" h="120000" extrusionOk="0">
-                <a:moveTo>
-                  <a:pt x="0" y="0"/>
-                </a:moveTo>
-                <a:lnTo>
-                  <a:pt x="120000" y="0"/>
-                </a:lnTo>
-                <a:lnTo>
-                  <a:pt x="120000" y="120000"/>
-                </a:lnTo>
-                <a:lnTo>
-                  <a:pt x="0" y="120000"/>
-                </a:lnTo>
-                <a:close/>
-              </a:path>
-            </a:pathLst>
-          </a:custGeom>
-        </p:spPr>
-      </p:sp>
-      <p:sp>
-        <p:nvSpPr>
-          <p:cNvPr id="234" name="Shape 234"/>
-          <p:cNvSpPr txBox="1">
-            <a:spLocks noGrp="1"/>
-          </p:cNvSpPr>
-          <p:nvPr>
-            <p:ph type="body" idx="1"/>
-          </p:nvPr>
-        </p:nvSpPr>
-        <p:spPr>
-          <a:xfrm>
-            <a:off x="685800" y="4343400"/>
-            <a:ext cx="5486400" cy="4114800"/>
-          </a:xfrm>
-          <a:prstGeom prst="rect">
-            <a:avLst/>
-          </a:prstGeom>
-        </p:spPr>
-        <p:txBody>
-          <a:bodyPr wrap="square" lIns="91425" tIns="91425" rIns="91425" bIns="91425" anchor="t" anchorCtr="0">
-            <a:noAutofit/>
-          </a:bodyPr>
-          <a:lstStyle/>
-          <a:p>
-            <a:pPr lvl="0">
-              <a:spcBef>
-                <a:spcPts val="0"/>
-              </a:spcBef>
-              <a:buNone/>
-            </a:pPr>
-            <a:endParaRPr/>
-          </a:p>
-        </p:txBody>
-      </p:sp>
-    </p:spTree>
-    <p:extLst>
-      <p:ext uri="{BB962C8B-B14F-4D97-AF65-F5344CB8AC3E}">
-        <p14:creationId xmlns:p14="http://schemas.microsoft.com/office/powerpoint/2010/main" val="2928278315"/>
-      </p:ext>
-    </p:extLst>
-  </p:cSld>
-  <p:clrMapOvr>
-    <a:masterClrMapping/>
-  </p:clrMapOvr>
-</p:notes>
-</file>
-
-<file path=ppt/notesSlides/notesSlide13.xml><?xml version="1.0" encoding="utf-8"?>
-<p:notes xmlns:a="http://schemas.openxmlformats.org/drawingml/2006/main" xmlns:r="http://schemas.openxmlformats.org/officeDocument/2006/relationships" xmlns:p="http://schemas.openxmlformats.org/presentationml/2006/main" showMasterSp="0" showMasterPhAnim="0">
-  <p:cSld>
-    <p:spTree>
-      <p:nvGrpSpPr>
-        <p:cNvPr id="1" name="Shape 232"/>
-        <p:cNvGrpSpPr/>
-        <p:nvPr/>
-      </p:nvGrpSpPr>
-      <p:grpSpPr>
-        <a:xfrm>
-          <a:off x="0" y="0"/>
-          <a:ext cx="0" cy="0"/>
-          <a:chOff x="0" y="0"/>
-          <a:chExt cx="0" cy="0"/>
-        </a:xfrm>
-      </p:grpSpPr>
-      <p:sp>
-        <p:nvSpPr>
-          <p:cNvPr id="233" name="Shape 233"/>
-          <p:cNvSpPr>
-            <a:spLocks noGrp="1" noRot="1" noChangeAspect="1"/>
-          </p:cNvSpPr>
-          <p:nvPr>
-            <p:ph type="sldImg" idx="2"/>
-          </p:nvPr>
-        </p:nvSpPr>
-        <p:spPr>
-          <a:xfrm>
-            <a:off x="381000" y="685800"/>
-            <a:ext cx="6096000" cy="3429000"/>
-          </a:xfrm>
-          <a:custGeom>
-            <a:avLst/>
-            <a:gdLst/>
-            <a:ahLst/>
-            <a:cxnLst/>
-            <a:rect l="0" t="0" r="0" b="0"/>
-            <a:pathLst>
-              <a:path w="120000" h="120000" extrusionOk="0">
-                <a:moveTo>
-                  <a:pt x="0" y="0"/>
-                </a:moveTo>
-                <a:lnTo>
-                  <a:pt x="120000" y="0"/>
-                </a:lnTo>
-                <a:lnTo>
-                  <a:pt x="120000" y="120000"/>
-                </a:lnTo>
-                <a:lnTo>
-                  <a:pt x="0" y="120000"/>
-                </a:lnTo>
-                <a:close/>
-              </a:path>
-            </a:pathLst>
-          </a:custGeom>
-        </p:spPr>
-      </p:sp>
-      <p:sp>
-        <p:nvSpPr>
-          <p:cNvPr id="234" name="Shape 234"/>
-          <p:cNvSpPr txBox="1">
-            <a:spLocks noGrp="1"/>
-          </p:cNvSpPr>
-          <p:nvPr>
-            <p:ph type="body" idx="1"/>
-          </p:nvPr>
-        </p:nvSpPr>
-        <p:spPr>
-          <a:xfrm>
-            <a:off x="685800" y="4343400"/>
-            <a:ext cx="5486400" cy="4114800"/>
-          </a:xfrm>
-          <a:prstGeom prst="rect">
-            <a:avLst/>
-          </a:prstGeom>
-        </p:spPr>
-        <p:txBody>
-          <a:bodyPr wrap="square" lIns="91425" tIns="91425" rIns="91425" bIns="91425" anchor="t" anchorCtr="0">
-            <a:noAutofit/>
-          </a:bodyPr>
-          <a:lstStyle/>
-          <a:p>
-            <a:pPr lvl="0">
-              <a:spcBef>
-                <a:spcPts val="0"/>
-              </a:spcBef>
-              <a:buNone/>
-            </a:pPr>
-            <a:endParaRPr/>
-          </a:p>
-        </p:txBody>
-      </p:sp>
-    </p:spTree>
-    <p:extLst>
-      <p:ext uri="{BB962C8B-B14F-4D97-AF65-F5344CB8AC3E}">
-        <p14:creationId xmlns:p14="http://schemas.microsoft.com/office/powerpoint/2010/main" val="252996190"/>
-      </p:ext>
-    </p:extLst>
-  </p:cSld>
-  <p:clrMapOvr>
-    <a:masterClrMapping/>
-  </p:clrMapOvr>
-</p:notes>
-</file>
-
-<file path=ppt/notesSlides/notesSlide14.xml><?xml version="1.0" encoding="utf-8"?>
-<p:notes xmlns:a="http://schemas.openxmlformats.org/drawingml/2006/main" xmlns:r="http://schemas.openxmlformats.org/officeDocument/2006/relationships" xmlns:p="http://schemas.openxmlformats.org/presentationml/2006/main" showMasterSp="0" showMasterPhAnim="0">
-  <p:cSld>
-    <p:spTree>
-      <p:nvGrpSpPr>
-        <p:cNvPr id="1" name="Shape 232"/>
-        <p:cNvGrpSpPr/>
-        <p:nvPr/>
-      </p:nvGrpSpPr>
-      <p:grpSpPr>
-        <a:xfrm>
-          <a:off x="0" y="0"/>
-          <a:ext cx="0" cy="0"/>
-          <a:chOff x="0" y="0"/>
-          <a:chExt cx="0" cy="0"/>
-        </a:xfrm>
-      </p:grpSpPr>
-      <p:sp>
-        <p:nvSpPr>
-          <p:cNvPr id="233" name="Shape 233"/>
-          <p:cNvSpPr>
-            <a:spLocks noGrp="1" noRot="1" noChangeAspect="1"/>
-          </p:cNvSpPr>
-          <p:nvPr>
-            <p:ph type="sldImg" idx="2"/>
-          </p:nvPr>
-        </p:nvSpPr>
-        <p:spPr>
-          <a:xfrm>
-            <a:off x="381000" y="685800"/>
-            <a:ext cx="6096000" cy="3429000"/>
-          </a:xfrm>
-          <a:custGeom>
-            <a:avLst/>
-            <a:gdLst/>
-            <a:ahLst/>
-            <a:cxnLst/>
-            <a:rect l="0" t="0" r="0" b="0"/>
-            <a:pathLst>
-              <a:path w="120000" h="120000" extrusionOk="0">
-                <a:moveTo>
-                  <a:pt x="0" y="0"/>
-                </a:moveTo>
-                <a:lnTo>
-                  <a:pt x="120000" y="0"/>
-                </a:lnTo>
-                <a:lnTo>
-                  <a:pt x="120000" y="120000"/>
-                </a:lnTo>
-                <a:lnTo>
-                  <a:pt x="0" y="120000"/>
-                </a:lnTo>
-                <a:close/>
-              </a:path>
-            </a:pathLst>
-          </a:custGeom>
-        </p:spPr>
-      </p:sp>
-      <p:sp>
-        <p:nvSpPr>
-          <p:cNvPr id="234" name="Shape 234"/>
-          <p:cNvSpPr txBox="1">
-            <a:spLocks noGrp="1"/>
-          </p:cNvSpPr>
-          <p:nvPr>
-            <p:ph type="body" idx="1"/>
-          </p:nvPr>
-        </p:nvSpPr>
-        <p:spPr>
-          <a:xfrm>
-            <a:off x="685800" y="4343400"/>
-            <a:ext cx="5486400" cy="4114800"/>
-          </a:xfrm>
-          <a:prstGeom prst="rect">
-            <a:avLst/>
-          </a:prstGeom>
-        </p:spPr>
-        <p:txBody>
-          <a:bodyPr wrap="square" lIns="91425" tIns="91425" rIns="91425" bIns="91425" anchor="t" anchorCtr="0">
-            <a:noAutofit/>
-          </a:bodyPr>
-          <a:lstStyle/>
-          <a:p>
-            <a:pPr lvl="0">
-              <a:spcBef>
-                <a:spcPts val="0"/>
-              </a:spcBef>
-              <a:buNone/>
-            </a:pPr>
-            <a:endParaRPr/>
-          </a:p>
-        </p:txBody>
-      </p:sp>
-    </p:spTree>
-    <p:extLst>
-      <p:ext uri="{BB962C8B-B14F-4D97-AF65-F5344CB8AC3E}">
-        <p14:creationId xmlns:p14="http://schemas.microsoft.com/office/powerpoint/2010/main" val="1592751543"/>
       </p:ext>
     </p:extLst>
   </p:cSld>
@@ -5206,640 +4920,6 @@
     <p:extLst>
       <p:ext uri="{BB962C8B-B14F-4D97-AF65-F5344CB8AC3E}">
         <p14:creationId xmlns:p14="http://schemas.microsoft.com/office/powerpoint/2010/main" val="854768788"/>
-      </p:ext>
-    </p:extLst>
-  </p:cSld>
-  <p:clrMapOvr>
-    <a:masterClrMapping/>
-  </p:clrMapOvr>
-</p:sld>
-</file>
-
-<file path=ppt/slides/slide12.xml><?xml version="1.0" encoding="utf-8"?>
-<p:sld xmlns:a="http://schemas.openxmlformats.org/drawingml/2006/main" xmlns:r="http://schemas.openxmlformats.org/officeDocument/2006/relationships" xmlns:p="http://schemas.openxmlformats.org/presentationml/2006/main">
-  <p:cSld>
-    <p:spTree>
-      <p:nvGrpSpPr>
-        <p:cNvPr id="1" name="Shape 235"/>
-        <p:cNvGrpSpPr/>
-        <p:nvPr/>
-      </p:nvGrpSpPr>
-      <p:grpSpPr>
-        <a:xfrm>
-          <a:off x="0" y="0"/>
-          <a:ext cx="0" cy="0"/>
-          <a:chOff x="0" y="0"/>
-          <a:chExt cx="0" cy="0"/>
-        </a:xfrm>
-      </p:grpSpPr>
-      <p:sp>
-        <p:nvSpPr>
-          <p:cNvPr id="236" name="Shape 236"/>
-          <p:cNvSpPr txBox="1">
-            <a:spLocks noGrp="1"/>
-          </p:cNvSpPr>
-          <p:nvPr>
-            <p:ph type="title"/>
-          </p:nvPr>
-        </p:nvSpPr>
-        <p:spPr>
-          <a:xfrm>
-            <a:off x="814275" y="392575"/>
-            <a:ext cx="5492400" cy="766200"/>
-          </a:xfrm>
-          <a:prstGeom prst="rect">
-            <a:avLst/>
-          </a:prstGeom>
-        </p:spPr>
-        <p:txBody>
-          <a:bodyPr wrap="square" lIns="91425" tIns="91425" rIns="91425" bIns="91425" anchor="ctr" anchorCtr="0">
-            <a:noAutofit/>
-          </a:bodyPr>
-          <a:lstStyle/>
-          <a:p>
-            <a:pPr marL="76200" lvl="0">
-              <a:spcAft>
-                <a:spcPts val="1000"/>
-              </a:spcAft>
-            </a:pPr>
-            <a:r>
-              <a:rPr lang="de-DE" dirty="0"/>
-              <a:t>PERZEPTRON - AKTIVIERUNGSFUNKTION</a:t>
-            </a:r>
-            <a:endParaRPr lang="en" dirty="0"/>
-          </a:p>
-        </p:txBody>
-      </p:sp>
-      <p:sp>
-        <p:nvSpPr>
-          <p:cNvPr id="237" name="Shape 237"/>
-          <p:cNvSpPr txBox="1">
-            <a:spLocks noGrp="1"/>
-          </p:cNvSpPr>
-          <p:nvPr>
-            <p:ph type="body" idx="1"/>
-          </p:nvPr>
-        </p:nvSpPr>
-        <p:spPr>
-          <a:xfrm>
-            <a:off x="814274" y="1327350"/>
-            <a:ext cx="6803725" cy="3145500"/>
-          </a:xfrm>
-          <a:prstGeom prst="rect">
-            <a:avLst/>
-          </a:prstGeom>
-        </p:spPr>
-        <p:txBody>
-          <a:bodyPr wrap="square" lIns="91425" tIns="91425" rIns="91425" bIns="91425" anchor="ctr" anchorCtr="0">
-            <a:noAutofit/>
-          </a:bodyPr>
-          <a:lstStyle/>
-          <a:p>
-            <a:pPr marL="457200" lvl="0" indent="-381000">
-              <a:buFont typeface="Arial" panose="020B0604020202020204" pitchFamily="34" charset="0"/>
-              <a:buChar char="•"/>
-            </a:pPr>
-            <a:r>
-              <a:rPr lang="de-DE" dirty="0"/>
-              <a:t>Die Summe wird der Aktivierungsfunktion übergeben, der Output ist dann 0 oder 1</a:t>
-            </a:r>
-          </a:p>
-          <a:p>
-            <a:pPr marL="457200" lvl="0" indent="-381000">
-              <a:buFont typeface="Arial" panose="020B0604020202020204" pitchFamily="34" charset="0"/>
-              <a:buChar char="•"/>
-            </a:pPr>
-            <a:endParaRPr lang="de-DE" dirty="0"/>
-          </a:p>
-          <a:p>
-            <a:pPr marL="457200" lvl="0" indent="-381000">
-              <a:buFont typeface="Arial" panose="020B0604020202020204" pitchFamily="34" charset="0"/>
-              <a:buChar char="•"/>
-            </a:pPr>
-            <a:endParaRPr lang="de-DE" dirty="0"/>
-          </a:p>
-          <a:p>
-            <a:pPr marL="457200" lvl="0" indent="-381000">
-              <a:buFont typeface="Arial" panose="020B0604020202020204" pitchFamily="34" charset="0"/>
-              <a:buChar char="•"/>
-            </a:pPr>
-            <a:endParaRPr lang="en" dirty="0"/>
-          </a:p>
-        </p:txBody>
-      </p:sp>
-      <p:sp>
-        <p:nvSpPr>
-          <p:cNvPr id="238" name="Shape 238"/>
-          <p:cNvSpPr txBox="1">
-            <a:spLocks noGrp="1"/>
-          </p:cNvSpPr>
-          <p:nvPr>
-            <p:ph type="sldNum" idx="12"/>
-          </p:nvPr>
-        </p:nvSpPr>
-        <p:spPr>
-          <a:xfrm>
-            <a:off x="7618000" y="4636500"/>
-            <a:ext cx="1487400" cy="315600"/>
-          </a:xfrm>
-          <a:prstGeom prst="rect">
-            <a:avLst/>
-          </a:prstGeom>
-        </p:spPr>
-        <p:txBody>
-          <a:bodyPr wrap="square" lIns="91425" tIns="91425" rIns="91425" bIns="91425" anchor="ctr" anchorCtr="0">
-            <a:noAutofit/>
-          </a:bodyPr>
-          <a:lstStyle/>
-          <a:p>
-            <a:pPr lvl="0">
-              <a:spcBef>
-                <a:spcPts val="0"/>
-              </a:spcBef>
-              <a:buNone/>
-            </a:pPr>
-            <a:fld id="{00000000-1234-1234-1234-123412341234}" type="slidenum">
-              <a:rPr lang="en"/>
-              <a:t>12</a:t>
-            </a:fld>
-            <a:endParaRPr lang="en"/>
-          </a:p>
-        </p:txBody>
-      </p:sp>
-      <p:pic>
-        <p:nvPicPr>
-          <p:cNvPr id="5" name="Grafik 4">
-            <a:extLst>
-              <a:ext uri="{FF2B5EF4-FFF2-40B4-BE49-F238E27FC236}">
-                <a16:creationId xmlns:a16="http://schemas.microsoft.com/office/drawing/2014/main" id="{C6B9CE8E-4416-419A-A1A1-1AE91B09B2C1}"/>
-              </a:ext>
-            </a:extLst>
-          </p:cNvPr>
-          <p:cNvPicPr>
-            <a:picLocks noChangeAspect="1"/>
-          </p:cNvPicPr>
-          <p:nvPr/>
-        </p:nvPicPr>
-        <p:blipFill>
-          <a:blip r:embed="rId3"/>
-          <a:stretch>
-            <a:fillRect/>
-          </a:stretch>
-        </p:blipFill>
-        <p:spPr>
-          <a:xfrm>
-            <a:off x="1902326" y="3396792"/>
-            <a:ext cx="1162212" cy="781159"/>
-          </a:xfrm>
-          <a:prstGeom prst="rect">
-            <a:avLst/>
-          </a:prstGeom>
-        </p:spPr>
-      </p:pic>
-      <p:pic>
-        <p:nvPicPr>
-          <p:cNvPr id="7" name="Grafik 6">
-            <a:extLst>
-              <a:ext uri="{FF2B5EF4-FFF2-40B4-BE49-F238E27FC236}">
-                <a16:creationId xmlns:a16="http://schemas.microsoft.com/office/drawing/2014/main" id="{329C02BB-4AE0-4F25-AB4E-59A4A5FD6B0D}"/>
-              </a:ext>
-            </a:extLst>
-          </p:cNvPr>
-          <p:cNvPicPr>
-            <a:picLocks noChangeAspect="1"/>
-          </p:cNvPicPr>
-          <p:nvPr/>
-        </p:nvPicPr>
-        <p:blipFill>
-          <a:blip r:embed="rId4"/>
-          <a:stretch>
-            <a:fillRect/>
-          </a:stretch>
-        </p:blipFill>
-        <p:spPr>
-          <a:xfrm>
-            <a:off x="3161739" y="2607071"/>
-            <a:ext cx="3325505" cy="2482252"/>
-          </a:xfrm>
-          <a:prstGeom prst="rect">
-            <a:avLst/>
-          </a:prstGeom>
-        </p:spPr>
-      </p:pic>
-    </p:spTree>
-    <p:extLst>
-      <p:ext uri="{BB962C8B-B14F-4D97-AF65-F5344CB8AC3E}">
-        <p14:creationId xmlns:p14="http://schemas.microsoft.com/office/powerpoint/2010/main" val="3955903855"/>
-      </p:ext>
-    </p:extLst>
-  </p:cSld>
-  <p:clrMapOvr>
-    <a:masterClrMapping/>
-  </p:clrMapOvr>
-</p:sld>
-</file>
-
-<file path=ppt/slides/slide13.xml><?xml version="1.0" encoding="utf-8"?>
-<p:sld xmlns:a="http://schemas.openxmlformats.org/drawingml/2006/main" xmlns:r="http://schemas.openxmlformats.org/officeDocument/2006/relationships" xmlns:p="http://schemas.openxmlformats.org/presentationml/2006/main">
-  <p:cSld>
-    <p:spTree>
-      <p:nvGrpSpPr>
-        <p:cNvPr id="1" name="Shape 235"/>
-        <p:cNvGrpSpPr/>
-        <p:nvPr/>
-      </p:nvGrpSpPr>
-      <p:grpSpPr>
-        <a:xfrm>
-          <a:off x="0" y="0"/>
-          <a:ext cx="0" cy="0"/>
-          <a:chOff x="0" y="0"/>
-          <a:chExt cx="0" cy="0"/>
-        </a:xfrm>
-      </p:grpSpPr>
-      <p:sp>
-        <p:nvSpPr>
-          <p:cNvPr id="236" name="Shape 236"/>
-          <p:cNvSpPr txBox="1">
-            <a:spLocks noGrp="1"/>
-          </p:cNvSpPr>
-          <p:nvPr>
-            <p:ph type="title"/>
-          </p:nvPr>
-        </p:nvSpPr>
-        <p:spPr>
-          <a:xfrm>
-            <a:off x="814275" y="392575"/>
-            <a:ext cx="5492400" cy="766200"/>
-          </a:xfrm>
-          <a:prstGeom prst="rect">
-            <a:avLst/>
-          </a:prstGeom>
-        </p:spPr>
-        <p:txBody>
-          <a:bodyPr wrap="square" lIns="91425" tIns="91425" rIns="91425" bIns="91425" anchor="ctr" anchorCtr="0">
-            <a:noAutofit/>
-          </a:bodyPr>
-          <a:lstStyle/>
-          <a:p>
-            <a:pPr marL="76200" lvl="0">
-              <a:spcAft>
-                <a:spcPts val="1000"/>
-              </a:spcAft>
-            </a:pPr>
-            <a:r>
-              <a:rPr lang="de-DE" dirty="0"/>
-              <a:t>PERZEPTRON - OUTPUT</a:t>
-            </a:r>
-            <a:endParaRPr lang="en" dirty="0"/>
-          </a:p>
-        </p:txBody>
-      </p:sp>
-      <p:sp>
-        <p:nvSpPr>
-          <p:cNvPr id="237" name="Shape 237"/>
-          <p:cNvSpPr txBox="1">
-            <a:spLocks noGrp="1"/>
-          </p:cNvSpPr>
-          <p:nvPr>
-            <p:ph type="body" idx="1"/>
-          </p:nvPr>
-        </p:nvSpPr>
-        <p:spPr>
-          <a:xfrm>
-            <a:off x="814274" y="1327350"/>
-            <a:ext cx="6803725" cy="3145500"/>
-          </a:xfrm>
-          <a:prstGeom prst="rect">
-            <a:avLst/>
-          </a:prstGeom>
-        </p:spPr>
-        <p:txBody>
-          <a:bodyPr wrap="square" lIns="91425" tIns="91425" rIns="91425" bIns="91425" anchor="ctr" anchorCtr="0">
-            <a:noAutofit/>
-          </a:bodyPr>
-          <a:lstStyle/>
-          <a:p>
-            <a:pPr marL="457200" lvl="0" indent="-381000">
-              <a:buFont typeface="Arial" panose="020B0604020202020204" pitchFamily="34" charset="0"/>
-              <a:buChar char="•"/>
-            </a:pPr>
-            <a:r>
-              <a:rPr lang="de-DE" dirty="0"/>
-              <a:t>Der Output ist dann 0 oder 1: Binäre Klassifikation</a:t>
-            </a:r>
-          </a:p>
-          <a:p>
-            <a:pPr marL="457200" lvl="0" indent="-381000">
-              <a:buFont typeface="Arial" panose="020B0604020202020204" pitchFamily="34" charset="0"/>
-              <a:buChar char="•"/>
-            </a:pPr>
-            <a:endParaRPr lang="de-DE" dirty="0"/>
-          </a:p>
-          <a:p>
-            <a:pPr marL="457200" lvl="0" indent="-381000">
-              <a:buFont typeface="Arial" panose="020B0604020202020204" pitchFamily="34" charset="0"/>
-              <a:buChar char="•"/>
-            </a:pPr>
-            <a:endParaRPr lang="de-DE" dirty="0"/>
-          </a:p>
-          <a:p>
-            <a:pPr marL="457200" lvl="0" indent="-381000">
-              <a:buFont typeface="Arial" panose="020B0604020202020204" pitchFamily="34" charset="0"/>
-              <a:buChar char="•"/>
-            </a:pPr>
-            <a:endParaRPr lang="en" dirty="0"/>
-          </a:p>
-        </p:txBody>
-      </p:sp>
-      <p:sp>
-        <p:nvSpPr>
-          <p:cNvPr id="238" name="Shape 238"/>
-          <p:cNvSpPr txBox="1">
-            <a:spLocks noGrp="1"/>
-          </p:cNvSpPr>
-          <p:nvPr>
-            <p:ph type="sldNum" idx="12"/>
-          </p:nvPr>
-        </p:nvSpPr>
-        <p:spPr>
-          <a:xfrm>
-            <a:off x="7618000" y="4636500"/>
-            <a:ext cx="1487400" cy="315600"/>
-          </a:xfrm>
-          <a:prstGeom prst="rect">
-            <a:avLst/>
-          </a:prstGeom>
-        </p:spPr>
-        <p:txBody>
-          <a:bodyPr wrap="square" lIns="91425" tIns="91425" rIns="91425" bIns="91425" anchor="ctr" anchorCtr="0">
-            <a:noAutofit/>
-          </a:bodyPr>
-          <a:lstStyle/>
-          <a:p>
-            <a:pPr lvl="0">
-              <a:spcBef>
-                <a:spcPts val="0"/>
-              </a:spcBef>
-              <a:buNone/>
-            </a:pPr>
-            <a:fld id="{00000000-1234-1234-1234-123412341234}" type="slidenum">
-              <a:rPr lang="en"/>
-              <a:t>13</a:t>
-            </a:fld>
-            <a:endParaRPr lang="en"/>
-          </a:p>
-        </p:txBody>
-      </p:sp>
-      <p:pic>
-        <p:nvPicPr>
-          <p:cNvPr id="5" name="Grafik 4">
-            <a:extLst>
-              <a:ext uri="{FF2B5EF4-FFF2-40B4-BE49-F238E27FC236}">
-                <a16:creationId xmlns:a16="http://schemas.microsoft.com/office/drawing/2014/main" id="{C6B9CE8E-4416-419A-A1A1-1AE91B09B2C1}"/>
-              </a:ext>
-            </a:extLst>
-          </p:cNvPr>
-          <p:cNvPicPr>
-            <a:picLocks noChangeAspect="1"/>
-          </p:cNvPicPr>
-          <p:nvPr/>
-        </p:nvPicPr>
-        <p:blipFill>
-          <a:blip r:embed="rId3"/>
-          <a:stretch>
-            <a:fillRect/>
-          </a:stretch>
-        </p:blipFill>
-        <p:spPr>
-          <a:xfrm>
-            <a:off x="1902326" y="3396792"/>
-            <a:ext cx="1162212" cy="781159"/>
-          </a:xfrm>
-          <a:prstGeom prst="rect">
-            <a:avLst/>
-          </a:prstGeom>
-        </p:spPr>
-      </p:pic>
-      <p:pic>
-        <p:nvPicPr>
-          <p:cNvPr id="7" name="Grafik 6">
-            <a:extLst>
-              <a:ext uri="{FF2B5EF4-FFF2-40B4-BE49-F238E27FC236}">
-                <a16:creationId xmlns:a16="http://schemas.microsoft.com/office/drawing/2014/main" id="{329C02BB-4AE0-4F25-AB4E-59A4A5FD6B0D}"/>
-              </a:ext>
-            </a:extLst>
-          </p:cNvPr>
-          <p:cNvPicPr>
-            <a:picLocks noChangeAspect="1"/>
-          </p:cNvPicPr>
-          <p:nvPr/>
-        </p:nvPicPr>
-        <p:blipFill>
-          <a:blip r:embed="rId4"/>
-          <a:stretch>
-            <a:fillRect/>
-          </a:stretch>
-        </p:blipFill>
-        <p:spPr>
-          <a:xfrm>
-            <a:off x="3161739" y="2607071"/>
-            <a:ext cx="3325505" cy="2482252"/>
-          </a:xfrm>
-          <a:prstGeom prst="rect">
-            <a:avLst/>
-          </a:prstGeom>
-        </p:spPr>
-      </p:pic>
-    </p:spTree>
-    <p:extLst>
-      <p:ext uri="{BB962C8B-B14F-4D97-AF65-F5344CB8AC3E}">
-        <p14:creationId xmlns:p14="http://schemas.microsoft.com/office/powerpoint/2010/main" val="3773733579"/>
-      </p:ext>
-    </p:extLst>
-  </p:cSld>
-  <p:clrMapOvr>
-    <a:masterClrMapping/>
-  </p:clrMapOvr>
-</p:sld>
-</file>
-
-<file path=ppt/slides/slide14.xml><?xml version="1.0" encoding="utf-8"?>
-<p:sld xmlns:a="http://schemas.openxmlformats.org/drawingml/2006/main" xmlns:r="http://schemas.openxmlformats.org/officeDocument/2006/relationships" xmlns:p="http://schemas.openxmlformats.org/presentationml/2006/main">
-  <p:cSld>
-    <p:spTree>
-      <p:nvGrpSpPr>
-        <p:cNvPr id="1" name="Shape 235"/>
-        <p:cNvGrpSpPr/>
-        <p:nvPr/>
-      </p:nvGrpSpPr>
-      <p:grpSpPr>
-        <a:xfrm>
-          <a:off x="0" y="0"/>
-          <a:ext cx="0" cy="0"/>
-          <a:chOff x="0" y="0"/>
-          <a:chExt cx="0" cy="0"/>
-        </a:xfrm>
-      </p:grpSpPr>
-      <p:sp>
-        <p:nvSpPr>
-          <p:cNvPr id="236" name="Shape 236"/>
-          <p:cNvSpPr txBox="1">
-            <a:spLocks noGrp="1"/>
-          </p:cNvSpPr>
-          <p:nvPr>
-            <p:ph type="title"/>
-          </p:nvPr>
-        </p:nvSpPr>
-        <p:spPr>
-          <a:xfrm>
-            <a:off x="814275" y="392575"/>
-            <a:ext cx="5492400" cy="766200"/>
-          </a:xfrm>
-          <a:prstGeom prst="rect">
-            <a:avLst/>
-          </a:prstGeom>
-        </p:spPr>
-        <p:txBody>
-          <a:bodyPr wrap="square" lIns="91425" tIns="91425" rIns="91425" bIns="91425" anchor="ctr" anchorCtr="0">
-            <a:noAutofit/>
-          </a:bodyPr>
-          <a:lstStyle/>
-          <a:p>
-            <a:pPr marL="76200" lvl="0">
-              <a:spcAft>
-                <a:spcPts val="1000"/>
-              </a:spcAft>
-            </a:pPr>
-            <a:r>
-              <a:rPr lang="de-DE" dirty="0"/>
-              <a:t>PERZEPTRON - EIGENSCHAFTEN</a:t>
-            </a:r>
-            <a:endParaRPr lang="en" dirty="0"/>
-          </a:p>
-        </p:txBody>
-      </p:sp>
-      <p:sp>
-        <p:nvSpPr>
-          <p:cNvPr id="237" name="Shape 237"/>
-          <p:cNvSpPr txBox="1">
-            <a:spLocks noGrp="1"/>
-          </p:cNvSpPr>
-          <p:nvPr>
-            <p:ph type="body" idx="1"/>
-          </p:nvPr>
-        </p:nvSpPr>
-        <p:spPr>
-          <a:xfrm>
-            <a:off x="814274" y="1327350"/>
-            <a:ext cx="6803725" cy="3145500"/>
-          </a:xfrm>
-          <a:prstGeom prst="rect">
-            <a:avLst/>
-          </a:prstGeom>
-        </p:spPr>
-        <p:txBody>
-          <a:bodyPr wrap="square" lIns="91425" tIns="91425" rIns="91425" bIns="91425" anchor="ctr" anchorCtr="0">
-            <a:noAutofit/>
-          </a:bodyPr>
-          <a:lstStyle/>
-          <a:p>
-            <a:pPr marL="457200" lvl="0" indent="-381000">
-              <a:buFont typeface="Arial" panose="020B0604020202020204" pitchFamily="34" charset="0"/>
-              <a:buChar char="•"/>
-            </a:pPr>
-            <a:r>
-              <a:rPr lang="de-DE" dirty="0"/>
-              <a:t>Je nach Gewichte bildet sich eine andere Summe</a:t>
-            </a:r>
-          </a:p>
-          <a:p>
-            <a:pPr marL="457200" lvl="0" indent="-381000">
-              <a:buFont typeface="Arial" panose="020B0604020202020204" pitchFamily="34" charset="0"/>
-              <a:buChar char="•"/>
-            </a:pPr>
-            <a:r>
-              <a:rPr lang="de-DE" dirty="0"/>
-              <a:t>Wenn die Summe einen bestimmten Wert erreicht (Threshold) wird eine 1 ausgegeben</a:t>
-            </a:r>
-          </a:p>
-          <a:p>
-            <a:pPr marL="457200" lvl="0" indent="-381000">
-              <a:buFont typeface="Arial" panose="020B0604020202020204" pitchFamily="34" charset="0"/>
-              <a:buChar char="•"/>
-            </a:pPr>
-            <a:r>
-              <a:rPr lang="de-DE" dirty="0"/>
-              <a:t>Ansonsten wird eine 0 ausgegeben</a:t>
-            </a:r>
-          </a:p>
-          <a:p>
-            <a:pPr marL="457200" lvl="0" indent="-381000">
-              <a:buFont typeface="Arial" panose="020B0604020202020204" pitchFamily="34" charset="0"/>
-              <a:buChar char="•"/>
-            </a:pPr>
-            <a:r>
-              <a:rPr lang="de-DE" dirty="0"/>
-              <a:t>Die verwendete Aktivierungsfunktion: </a:t>
-            </a:r>
-            <a:r>
-              <a:rPr lang="de-DE" dirty="0" err="1"/>
-              <a:t>Step</a:t>
-            </a:r>
-            <a:r>
-              <a:rPr lang="de-DE" dirty="0"/>
-              <a:t> </a:t>
-            </a:r>
-            <a:r>
-              <a:rPr lang="de-DE" dirty="0" err="1"/>
-              <a:t>function</a:t>
-            </a:r>
-            <a:endParaRPr lang="de-DE" dirty="0"/>
-          </a:p>
-        </p:txBody>
-      </p:sp>
-      <p:sp>
-        <p:nvSpPr>
-          <p:cNvPr id="238" name="Shape 238"/>
-          <p:cNvSpPr txBox="1">
-            <a:spLocks noGrp="1"/>
-          </p:cNvSpPr>
-          <p:nvPr>
-            <p:ph type="sldNum" idx="12"/>
-          </p:nvPr>
-        </p:nvSpPr>
-        <p:spPr>
-          <a:xfrm>
-            <a:off x="7618000" y="4636500"/>
-            <a:ext cx="1487400" cy="315600"/>
-          </a:xfrm>
-          <a:prstGeom prst="rect">
-            <a:avLst/>
-          </a:prstGeom>
-        </p:spPr>
-        <p:txBody>
-          <a:bodyPr wrap="square" lIns="91425" tIns="91425" rIns="91425" bIns="91425" anchor="ctr" anchorCtr="0">
-            <a:noAutofit/>
-          </a:bodyPr>
-          <a:lstStyle/>
-          <a:p>
-            <a:pPr lvl="0">
-              <a:spcBef>
-                <a:spcPts val="0"/>
-              </a:spcBef>
-              <a:buNone/>
-            </a:pPr>
-            <a:fld id="{00000000-1234-1234-1234-123412341234}" type="slidenum">
-              <a:rPr lang="en"/>
-              <a:t>14</a:t>
-            </a:fld>
-            <a:endParaRPr lang="en"/>
-          </a:p>
-        </p:txBody>
-      </p:sp>
-    </p:spTree>
-    <p:extLst>
-      <p:ext uri="{BB962C8B-B14F-4D97-AF65-F5344CB8AC3E}">
-        <p14:creationId xmlns:p14="http://schemas.microsoft.com/office/powerpoint/2010/main" val="1024005788"/>
       </p:ext>
     </p:extLst>
   </p:cSld>
